--- a/slides/04 purrr 1/ppt/04 Functionals.pptx
+++ b/slides/04 purrr 1/ppt/04 Functionals.pptx
@@ -226,7 +226,7 @@
           <a:p>
             <a:fld id="{005845AE-ACE1-EC44-8625-84E41CDD46BF}" type="datetimeFigureOut">
               <a:rPr lang="en-US" smtClean="0"/>
-              <a:t>12/21/20</a:t>
+              <a:t>3/10/21</a:t>
             </a:fld>
             <a:endParaRPr lang="en-US"/>
           </a:p>
@@ -392,7 +392,7 @@
           <a:p>
             <a:fld id="{BBB7B6E1-B344-C444-840E-5BCE257718B4}" type="datetimeFigureOut">
               <a:rPr lang="en-US" smtClean="0"/>
-              <a:t>12/21/20</a:t>
+              <a:t>3/10/21</a:t>
             </a:fld>
             <a:endParaRPr lang="en-US"/>
           </a:p>
@@ -4742,9 +4742,7 @@
             <a:r>
               <a:rPr lang="en-US" sz="1400" i="1" dirty="0">
                 <a:solidFill>
-                  <a:schemeClr val="accent6">
-                    <a:lumMod val="75000"/>
-                  </a:schemeClr>
+                  <a:srgbClr val="7030A0"/>
                 </a:solidFill>
               </a:rPr>
               <a:t>Data Science for Operational Researchers using R</a:t>
@@ -5056,7 +5054,7 @@
         </p:nvSpPr>
         <p:spPr>
           <a:xfrm>
-            <a:off x="2209800" y="3429000"/>
+            <a:off x="2209800" y="3950137"/>
             <a:ext cx="7772400" cy="2694763"/>
           </a:xfrm>
         </p:spPr>
@@ -5067,14 +5065,26 @@
           <a:lstStyle/>
           <a:p>
             <a:r>
-              <a:rPr lang="en-US" dirty="0"/>
+              <a:rPr lang="en-US" dirty="0">
+                <a:solidFill>
+                  <a:srgbClr val="FF0000"/>
+                </a:solidFill>
+              </a:rPr>
               <a:t>Topic 4: Functionals and </a:t>
             </a:r>
             <a:r>
-              <a:rPr lang="en-US" dirty="0" err="1"/>
+              <a:rPr lang="en-US" dirty="0" err="1">
+                <a:solidFill>
+                  <a:srgbClr val="FF0000"/>
+                </a:solidFill>
+              </a:rPr>
               <a:t>purrr</a:t>
             </a:r>
-            <a:endParaRPr lang="en-US" i="1" dirty="0"/>
+            <a:endParaRPr lang="en-US" i="1" dirty="0">
+              <a:solidFill>
+                <a:srgbClr val="FF0000"/>
+              </a:solidFill>
+            </a:endParaRPr>
           </a:p>
         </p:txBody>
       </p:sp>
@@ -5103,10 +5113,10 @@
       </p:sp>
       <p:pic>
         <p:nvPicPr>
-          <p:cNvPr id="6" name="Picture 5" descr="A picture containing text&#10;&#10;Description automatically generated">
+          <p:cNvPr id="7" name="Picture 6" descr="A picture containing text&#10;&#10;Description automatically generated">
             <a:extLst>
               <a:ext uri="{FF2B5EF4-FFF2-40B4-BE49-F238E27FC236}">
-                <a16:creationId xmlns:a16="http://schemas.microsoft.com/office/drawing/2014/main" id="{8E3C8441-4891-7444-9FD7-153B71C2A280}"/>
+                <a16:creationId xmlns:a16="http://schemas.microsoft.com/office/drawing/2014/main" id="{5F0F8C82-6D4D-4646-9F4B-B08FEC1C162F}"/>
               </a:ext>
             </a:extLst>
           </p:cNvPr>
@@ -5116,21 +5126,15 @@
           <p:nvPr/>
         </p:nvPicPr>
         <p:blipFill>
-          <a:blip r:embed="rId3">
-            <a:extLst>
-              <a:ext uri="{28A0092B-C50C-407E-A947-70E740481C1C}">
-                <a14:useLocalDpi xmlns:a14="http://schemas.microsoft.com/office/drawing/2010/main" val="0"/>
-              </a:ext>
-            </a:extLst>
-          </a:blip>
+          <a:blip r:embed="rId3"/>
           <a:stretch>
             <a:fillRect/>
           </a:stretch>
         </p:blipFill>
         <p:spPr>
           <a:xfrm>
-            <a:off x="0" y="-519292"/>
-            <a:ext cx="12192000" cy="4321827"/>
+            <a:off x="0" y="0"/>
+            <a:ext cx="12192000" cy="4646111"/>
           </a:xfrm>
           <a:prstGeom prst="rect">
             <a:avLst/>
@@ -6551,7 +6555,7 @@
           <p:nvPr>
             <p:extLst>
               <p:ext uri="{D42A27DB-BD31-4B8C-83A1-F6EECF244321}">
-                <p14:modId xmlns:p14="http://schemas.microsoft.com/office/powerpoint/2010/main" val="2766800184"/>
+                <p14:modId xmlns:p14="http://schemas.microsoft.com/office/powerpoint/2010/main" val="98833507"/>
               </p:ext>
             </p:extLst>
           </p:nvPr>
@@ -7260,6 +7264,19 @@
                     <a:p>
                       <a:pPr marL="0" algn="ctr" defTabSz="457200" rtl="0" eaLnBrk="1" latinLnBrk="0" hangingPunct="1"/>
                       <a:r>
+                        <a:rPr lang="en-US" sz="1800" i="1" kern="1200">
+                          <a:solidFill>
+                            <a:schemeClr val="bg1">
+                              <a:lumMod val="75000"/>
+                            </a:schemeClr>
+                          </a:solidFill>
+                          <a:latin typeface="+mn-lt"/>
+                          <a:ea typeface="+mn-ea"/>
+                          <a:cs typeface="+mn-cs"/>
+                        </a:rPr>
+                        <a:t>Exploratory Data </a:t>
+                      </a:r>
+                      <a:r>
                         <a:rPr lang="en-US" sz="1800" i="1" kern="1200" dirty="0">
                           <a:solidFill>
                             <a:schemeClr val="bg1">
@@ -7270,7 +7287,7 @@
                           <a:ea typeface="+mn-ea"/>
                           <a:cs typeface="+mn-cs"/>
                         </a:rPr>
-                        <a:t>Exploratory Modelling Analysis  - Case Study using aimsir17</a:t>
+                        <a:t>Analysis  - Case Study using aimsir17</a:t>
                       </a:r>
                     </a:p>
                   </a:txBody>

--- a/slides/04 purrr 1/ppt/04 Functionals.pptx
+++ b/slides/04 purrr 1/ppt/04 Functionals.pptx
@@ -5,10 +5,10 @@
     <p:sldMasterId id="2147483648" r:id="rId1"/>
   </p:sldMasterIdLst>
   <p:notesMasterIdLst>
-    <p:notesMasterId r:id="rId18"/>
+    <p:notesMasterId r:id="rId19"/>
   </p:notesMasterIdLst>
   <p:handoutMasterIdLst>
-    <p:handoutMasterId r:id="rId19"/>
+    <p:handoutMasterId r:id="rId20"/>
   </p:handoutMasterIdLst>
   <p:sldIdLst>
     <p:sldId id="256" r:id="rId2"/>
@@ -27,6 +27,7 @@
     <p:sldId id="691" r:id="rId15"/>
     <p:sldId id="718" r:id="rId16"/>
     <p:sldId id="414" r:id="rId17"/>
+    <p:sldId id="720" r:id="rId18"/>
   </p:sldIdLst>
   <p:sldSz cx="12192000" cy="6858000"/>
   <p:notesSz cx="6858000" cy="9144000"/>
@@ -226,7 +227,7 @@
           <a:p>
             <a:fld id="{005845AE-ACE1-EC44-8625-84E41CDD46BF}" type="datetimeFigureOut">
               <a:rPr lang="en-US" smtClean="0"/>
-              <a:t>3/10/21</a:t>
+              <a:t>3/25/21</a:t>
             </a:fld>
             <a:endParaRPr lang="en-US"/>
           </a:p>
@@ -308,6 +309,135 @@
   <p:clrMap bg1="lt1" tx1="dk1" bg2="lt2" tx2="dk2" accent1="accent1" accent2="accent2" accent3="accent3" accent4="accent4" accent5="accent5" accent6="accent6" hlink="hlink" folHlink="folHlink"/>
   <p:hf hdr="0" ftr="0" dt="0"/>
 </p:handoutMaster>
+</file>
+
+<file path=ppt/ink/ink1.xml><?xml version="1.0" encoding="utf-8"?>
+<inkml:ink xmlns:inkml="http://www.w3.org/2003/InkML">
+  <inkml:definitions>
+    <inkml:context xml:id="ctx0">
+      <inkml:inkSource xml:id="inkSrc0">
+        <inkml:traceFormat>
+          <inkml:channel name="X" type="integer" min="-2.14748E9" max="2.14748E9" units="cm"/>
+          <inkml:channel name="Y" type="integer" min="-2.14748E9" max="2.14748E9" units="cm"/>
+          <inkml:channel name="F" type="integer" max="32767" units="dev"/>
+        </inkml:traceFormat>
+        <inkml:channelProperties>
+          <inkml:channelProperty channel="X" name="resolution" value="1000" units="1/cm"/>
+          <inkml:channelProperty channel="Y" name="resolution" value="1000" units="1/cm"/>
+          <inkml:channelProperty channel="F" name="resolution" value="0" units="1/dev"/>
+        </inkml:channelProperties>
+      </inkml:inkSource>
+      <inkml:timestamp xml:id="ts0" timeString="2021-03-25T11:31:34.391"/>
+    </inkml:context>
+    <inkml:brush xml:id="br0">
+      <inkml:brushProperty name="width" value="0.05292" units="cm"/>
+      <inkml:brushProperty name="height" value="0.05292" units="cm"/>
+      <inkml:brushProperty name="color" value="#FF0000"/>
+    </inkml:brush>
+  </inkml:definitions>
+  <inkml:trace contextRef="#ctx0" brushRef="#br0">28747 8819 24575,'-6'17'0,"3"5"0,5 7 0,4 6 0,4 7 0,-4-18 0,0 1 0,0 2 0,-1 3 0,-2 2 0,1 2 0,-3 2 0,-3 1 0,-3 1 0,0 1 0,1-1 0,0 0 0,-5 0 0,-8 5 0,-6 0 0,1-6-265,2-9 1,-2-3 264,-11 9 0,0-4 0,-4-7 0,4-4 0,13-9 0,12-6 0,14-7 0,14-8 0,-2 0 529,10-8-529,-15 9 0,0 0 0,-9 6 0</inkml:trace>
+  <inkml:trace contextRef="#ctx0" brushRef="#br0" timeOffset="572">28509 9332 24575,'35'-3'0,"-2"1"0,-7 0 0,2-1 0,11-1 0,-1 0 0,-11 1 0,0 0 0,13-2 0,-3 0 0,3 1 0,-5-2 0,-17 3 0,-5-1 0,-10 3 0,-3-1 0,8-1 0,-2 0 0,5-1 0,-5 2 0,-2 1 0,-2-1 0,0 2 0,-2-1 0</inkml:trace>
+  <inkml:trace contextRef="#ctx0" brushRef="#br0" timeOffset="2913">25484 3568 24575,'-33'-1'0,"-8"-1"0,15 0 0,-5 1 0,-5-1 0,-5 0 0,1 0 0,-9 1 0,-1 0-670,3-1 1,-3 1 0,3 0 669,10 0 0,2 1 0,1 1 161,1 0 0,-1 0 0,1 2-161,-4 0 0,0 2 0,2 0 0,-5 2 0,2 1 0,-3 3 0,3 0 0,13 0 0,3 1 0,0 0 0,0 1 0,-7 8 0,1 2 0,5-5 0,-1 3 0,1 4 0,-2 3 0,3-2 0,1 1 0,1 0 0,-4 10 0,2 2 0,9 1 0,5 3 0,7 6 0,3 1 0,0-3 0,4 0 0,5-4 0,4 2 0,1-6 0,-1-5 0,1-2-191,-1-3 1,0 3 0,0-4 190,1 1 0,1-4 0,-2-1 0,1 0 665,6 3 0,-1-1-665,-3-6 0,1 0 0,2 2 0,0-2 0,11 9 0,-2-4 0,-1-2 612,4-1-612,5 1 0,-7-7 0,3 0 0,-5-2 0,1-1 77,9 3 0,2 0-77,-8-7 0,1-1 0,0-1 0,5 0 0,2-1-515,-5-2 0,2 0 1,-1-1 514,4-3 0,-1-1 0,-1 0 0,2-2 0,-3-2 0,3-3 0,-3 1 0,3-1 0,1-2 0,4-5 0,3-3 0,-5 1 0,-5-1 0,-1-2 0,2-3 0,3-3 0,-3 0 0,-3 0 0,-1-3 0,-7 6 0,3-4 0,-1 0 0,-3 2 0,6-7 0,-2 0 0,-2-1 0,2-2 0,-4-2 0,-8 4 0,-3-2 0,-1 2 0,3-8 0,-2 0 0,-1-6 0,-6-1 0,-10 6 0,-5 1 0,-3 0 0,-1 1 0,-2-3 0,-1 0 0,-1 10 0,-2 1 0,-3 5 0,0 3 1544,-14-9-1544,5 11 0,-2 2 0,-11 1 0,15 9 0,0 1 0,-14-2 0,-2 2 0,9 3 0,-2 1 0,9 1 0,-2 0 0,-11 0 0,0 1 0,-1-1 0,-2 2 0,17 1 0,4 0 0,-3 0 0,8 1 0,-7 0 0,13 0 0,-3 0 0,6 1 0,3-1 0,1 0 0</inkml:trace>
+  <inkml:trace contextRef="#ctx0" brushRef="#br0" timeOffset="4064">26126 3613 24575,'21'-11'0,"12"-7"0,-7 6 0,2-3 0,7-3 0,1 0-1071,4-2 0,0-1 1071,0 1 0,-1-1 0,-3 3 0,-1 1 344,-8 3 0,-1 1-344,13-7 354,-16 8-354,-10 5 0,-5 4 0,-1 1 275,4 0 0,-3 1 0,-1 1 0</inkml:trace>
+  <inkml:trace contextRef="#ctx0" brushRef="#br0" timeOffset="4812">26833 3156 24575,'-1'18'0,"1"5"0,1 10 0,5 4 0,3 4 0,3-10 0,1 1 0,5 11 0,0-12 0,1-2 0,-5-10 0,3-2 0,-12-17 0,4-14 0,3-1 0,3-4 0,0-3 0,10-14 0,-9 12 0,0-2 0,9-17 0,-3 1 0,-11 17 0,0 0 0,2-6 0,-2-8 0,-8 28 0,-1-1 0,-3 15 0,0 3 0</inkml:trace>
+  <inkml:trace contextRef="#ctx0" brushRef="#br0" timeOffset="5548">26332 4050 24575,'14'1'0,"21"-1"0,10 1 0,-7 0 0,3 1 0,0 0-405,7 0 0,2 0 1,1 1 404,-6-1 0,3 1 0,-2 0 0,-4-1-356,-6 1 1,-3-1-1,0 1 356,3-1 0,2-1 0,-5 1 273,-3-1-1,-4-1-272,4 0 0,-7-4 0,-15-1 0,-2 1 0,1 0 0</inkml:trace>
+  <inkml:trace contextRef="#ctx0" brushRef="#br0" timeOffset="6162">27537 3668 24575,'-4'28'0,"-1"0"0,-3 18 0,2-16 0,0 2 0,0 2 0,0 1 0,3 0 0,0-2 0,0-4 0,1-2 0,5 16 0,1-36 0,6 1 0,1-6 0,6-1 0,31-2 0,-23 1 0,1 0 0,9 0 0,5-1 0,-2 1 0,1 0 0,1 0 0,-2 0 0,3 0 0,-6-1 0,13 0 0,-7 0 0,-38-1 0,-14 0 0,-5 1 0,3 0 0,3 1 0</inkml:trace>
+  <inkml:trace contextRef="#ctx0" brushRef="#br0" timeOffset="6829">26486 4245 24575,'19'12'0,"12"4"0,-6-4 0,2 0 0,12 4 0,4 1-625,-9-5 0,2 1 1,4 0 624,3 1 0,5 1 0,1 1 0,-2-2 0,-7-2 0,-1 0 0,1-1 0,4 1 0,-5-2 0,3 1 0,3 0 0,1 0 0,0 0 0,-3-1 0,-4-1 0,7 0 0,-4-1 0,-2-1 0,2 0-266,7 2 0,3 0 0,-4-1 1,-7-2 265,-3-2 0,-11-3 692,-14-1-692,-10 0 0,3-3 0,3 0 0,-2 0 0,0 2 0</inkml:trace>
+  <inkml:trace contextRef="#ctx0" brushRef="#br0" timeOffset="7347">28338 4311 24575,'49'-8'0,"0"1"0,-10 2 0,5 0 0,-5 1 0,3 0 0,-2 1-1284,7-2 1,-1 0 1283,-6 2 0,1-1 0,-5 1 0,-7 0 0,-4 0 818,10-3-818,-20 3 423,-25 1-423,-2 2 0,-5 1 0,11-1 0</inkml:trace>
+  <inkml:trace contextRef="#ctx0" brushRef="#br0" timeOffset="7829">28702 4427 24575,'0'39'0,"0"0"0,0 11 0,0-1 0,1-17 0,0 0 0,0 9 0,0-5 0,1-11 0,2-10 0,1-25 0,-2 0 0,4-5 0,-3 9 0,-2 2 0,0 4 0</inkml:trace>
+  <inkml:trace contextRef="#ctx0" brushRef="#br0" timeOffset="9047">28697 5904 24575,'28'-11'0,"0"-1"0,5-1 0,5-1 0,-2 2 0,5-2 0,2 0 0,-1 1-820,-5 1 1,-1 1 0,2-1 0,1 0 163,3-1 1,2-1-1,2-1 1,-1 0 0,0 1 558,0 0 1,1 1-1,-2-1 1,0 2-1,-3-1 97,7-1 0,-2 1 0,0-1 292,-6 2 1,3-2 0,-4 2 0,-6 3-293,9-3 1287,-16 3-1287,-25 7 0,0-1 0,-1 2 0,0-2 0</inkml:trace>
+  <inkml:trace contextRef="#ctx0" brushRef="#br0" timeOffset="9683">29830 5379 24575,'24'10'0,"-1"0"0,19 7 0,-11-3 0,4 3 0,-3-2 0,-2 0 0,-2 1 0,7 7 0,-6 1 0,-10 1 0,-17 4 0,-19-9 0,-9 4 0,5-6 0,-1 0 0,-9 9 0,11-7 0,1-2 0,5-5 0,2 3 0,11-14 0,1-1 0</inkml:trace>
+</inkml:ink>
+</file>
+
+<file path=ppt/ink/ink2.xml><?xml version="1.0" encoding="utf-8"?>
+<inkml:ink xmlns:inkml="http://www.w3.org/2003/InkML">
+  <inkml:definitions>
+    <inkml:context xml:id="ctx0">
+      <inkml:inkSource xml:id="inkSrc0">
+        <inkml:traceFormat>
+          <inkml:channel name="X" type="integer" min="-2.14748E9" max="2.14748E9" units="cm"/>
+          <inkml:channel name="Y" type="integer" min="-2.14748E9" max="2.14748E9" units="cm"/>
+          <inkml:channel name="F" type="integer" max="32767" units="dev"/>
+        </inkml:traceFormat>
+        <inkml:channelProperties>
+          <inkml:channelProperty channel="X" name="resolution" value="1000" units="1/cm"/>
+          <inkml:channelProperty channel="Y" name="resolution" value="1000" units="1/cm"/>
+          <inkml:channelProperty channel="F" name="resolution" value="0" units="1/dev"/>
+        </inkml:channelProperties>
+      </inkml:inkSource>
+      <inkml:timestamp xml:id="ts0" timeString="2021-03-25T11:32:35.772"/>
+    </inkml:context>
+    <inkml:brush xml:id="br0">
+      <inkml:brushProperty name="width" value="0.05292" units="cm"/>
+      <inkml:brushProperty name="height" value="0.05292" units="cm"/>
+      <inkml:brushProperty name="color" value="#FF0000"/>
+    </inkml:brush>
+  </inkml:definitions>
+  <inkml:trace contextRef="#ctx0" brushRef="#br0">10529 7527 24575,'12'-1'0,"6"1"0,25 0 0,3 1 0,-2 0 0,1 0 0,-14 0 0,-1 1 0,18-1 0,-1 1 0,1-1 0,-19 0 0,-2 0 0,9-1 0,-3 1 0,16 0 0,-9-2 0,-7 1 0,1 1 0,7-2 0,-13 1 0,-1 0 0,5 0 0,3-1 0,1 1 0,2-2 0,4 0 0,1 0 0,-5-1 0,-13 1 0,0 0 0,1 1 0,-1 0 0,12-1 0,11 1 0,-15 0 0,0 0 0,13-1 0,-10 1 0,10 1 0,-9 0 0,-1 0 0,1-1 0,-5 0 0,-2 0 0,7 0 0,-12 0 0,10 0 0,-20 0 0,10 0 0,-10 0 0,17 0 0,-6 0 0,10 0 0,-4 1 0,-2-1 0,6 1 0,-14-1 0,2 1 0,-16 0 0,18 0 0,-8 0 0,18 0 0,-1 1 0,-8-1 0,6 1 0,-14-1 0,-7 0 0,-6 0 0,-20 5 0,-7 0 0,-26 7 0,25-8 0,-4 2 0</inkml:trace>
+  <inkml:trace contextRef="#ctx0" brushRef="#br0" timeOffset="3017">10508 7667 24575,'19'-3'0,"7"0"0,17 0 0,-17 2 0,1 0 0,5 0 0,0 0 0,1 1 0,2-1 0,12 1 0,-1-1 0,-15 1 0,-1 0 0,10 0 0,-1 0 0,-12 1 0,-2-1 0,17 1 0,-13-1 0,0 1 0,19-1 0,-2 0 0,-12 0 0,0 0 0,8-1 0,-12 1 0,1 0 0,2 0 0,-2 0 0,-5 0 0,0 0 0,5 1 0,0-1 0,11 0 0,-4 0 0,-12 0 0,0 0 0,9-1 0,9 0 0,-19 0 0,-1 1 0,14 0 0,-4 0 0,5-1 0,3 1 0,-10 0 0,0 0 0,6 0 0,1 0 0,-3 0 0,-2 1 0,2-1 0,6 1 0,-23-1 0,-2 0 0,-3 0 0,-2 0 0,6-1 0,-5 1 0,4-1 0,2 1 0,4-1 0,3 0 0,5-1 0,-15 2 0,-3-1 0,-5-1 0,5 1 0,21-2 0,-6 2 0,11 0 0,-22 1 0,-7-1 0,-7 1 0,-18 0 0,-10-2 0,-5 2 0,-10-1 0,1 0 0,3-1 0,1 1 0,-2-1-331,-8 1 1,-1-1 0,2 1 330,8 0 0,2-1 0,3 1 0,0 0 0,1 0 0,1 0 0,-1 0 0,-11 0 0,-2 0 0,10 0 0,-3 0 0,0 1 0,-8-1 0,-1-1 0,0 1 0,7 0 0,2 0 0,-3 0 0,-9 0 0,-3 0 0,4 0 0,1 1 0,1-1 0,11 1 0,-1 0 0,2 0 0,-9 0 0,5 0 0,-6 0 0,-6 0 991,9-1-991,0-1 0,-1 0 0,-2 0 0,12 0 0,-1 1 0,-2-1 0,-2 0 0,3 1 0,5 0 0,1 0 0,-9 0 0,2 1 0,-1-1 0,0 0 0,17 1 0,9 0 0,6 0 0,17-1 0,30 0 0,-20 1 0,3-1 0,8 1 0,1 0 0,-4 0 0,0 0 0,-1 1 0,-1 0 0,-2 0 0,-1-1 0,20 1 0,-13 0 0,-4-1 0,-15-1 0,6 1 0,-13 0 0,7-1 0,-10 1 0,0-1 0,-5 1 0,1 0 0</inkml:trace>
+</inkml:ink>
+</file>
+
+<file path=ppt/ink/ink3.xml><?xml version="1.0" encoding="utf-8"?>
+<inkml:ink xmlns:inkml="http://www.w3.org/2003/InkML">
+  <inkml:definitions>
+    <inkml:context xml:id="ctx0">
+      <inkml:inkSource xml:id="inkSrc0">
+        <inkml:traceFormat>
+          <inkml:channel name="X" type="integer" min="-2.14748E9" max="2.14748E9" units="cm"/>
+          <inkml:channel name="Y" type="integer" min="-2.14748E9" max="2.14748E9" units="cm"/>
+          <inkml:channel name="F" type="integer" max="32767" units="dev"/>
+        </inkml:traceFormat>
+        <inkml:channelProperties>
+          <inkml:channelProperty channel="X" name="resolution" value="1000" units="1/cm"/>
+          <inkml:channelProperty channel="Y" name="resolution" value="1000" units="1/cm"/>
+          <inkml:channelProperty channel="F" name="resolution" value="0" units="1/dev"/>
+        </inkml:channelProperties>
+      </inkml:inkSource>
+      <inkml:timestamp xml:id="ts0" timeString="2021-03-25T11:33:52.956"/>
+    </inkml:context>
+    <inkml:brush xml:id="br0">
+      <inkml:brushProperty name="width" value="0.05292" units="cm"/>
+      <inkml:brushProperty name="height" value="0.05292" units="cm"/>
+      <inkml:brushProperty name="color" value="#FF0000"/>
+    </inkml:brush>
+  </inkml:definitions>
+  <inkml:trace contextRef="#ctx0" brushRef="#br0">9386 7244 24575,'49'0'0,"-21"0"0,0 0 0,-1 1 0,1-1 0,19 2 0,4 0 0,-15-1 0,1 0 0,0 0 0,-2 0 0,0 1 0,0-1 0,5 0 0,0 0 0,-4-1 0,-7 0 0,-1 0 0,17 0 0,0-1 0,-19 0 0,0 0 0,19 0 0,-1-1 0,3 1 0,-14 1 0,-2 0 0,4 0 0,0 0 0,3 0 0,-14 1 0,4-1 0,-20 0 0,-17 4 0,-12-1 0,-13 1 0,-4 0 0,9-1 0,-2 0 0,-6-1 0,-4 0 0,3 0 0,2 0 0,1 0 0,-10-1 0,0 0 0,10 0 0,2-1 0,7 1 0,2 0 0,-5-1 0,1 1 0,-6 1 0,1-1 0,-9 2 0,10-1 0,5 1 0,-1 0 0,-7 0 0,3 0 0,0 0 0,-8 0 0,-8 0 0,11-1 0,3-1 0,0 0 0,-4 0 0,17-1 0,-4 0 0,13 1 0,-10 0 0,9 0 0,-8 2 0,15-3 0,18 0 0,11-1 0,23 0 0,-7 0 0,3 0 0,-8 1 0,2 0-407,13 0 0,0-1 407,-12 1 0,-2 0 0,1 1 0,-1-1 0,0 0 0,-2 0 0,-4 1 0,-1-1 0,-2 0 0,0 1 0,7-1 0,0 0 0,15 1 0,-15-1 0,0 0 0,6 0 0,2 0 0,-14 0 0,-1 0 814,18 0-814,-9 0 0,0 0 0,6 0 0,-15 0 0,-2 0 0,7 0 0,-4 0 0,-33 3 0,-10-2 0,-9 1 0,-6-1 0,0 0 0,-2-1 0,-7 0 0,-3 0 0,-1 0 0,-2-1 0,1 0-908,-4 1 1,0-1 907,8 0 0,-1 0 0,6 0 0,5 0 0,5 0 0,-16 0 0,1 1 0,12 0 0,-14 0 0,18 1 0,-8-1 1815,-4 1-1815,-1-1 0,-2 1 0,-2-1 0,23 0 0,0 0 0,27 0 0,10-1 0,23 0 0,-14 1 0,1-1 0,4 1 0,1 0 0,3 0 0,3-1 0,-2 1 0,3 0 0,-3 0 0,5 1 0,-1-1 0,2 0 0,2 0 0,-4 0 0,-9 1 0,-3-1 0,9 0 0,-3 0 0,2 0 0,2 0 0,-13-1 0,0 1 0,14-1 0,-7 0 0,-1 1 0,-1 0 0,7 0 0,-26 0 0,-1-1 0,-10 1 0</inkml:trace>
+</inkml:ink>
+</file>
+
+<file path=ppt/ink/ink4.xml><?xml version="1.0" encoding="utf-8"?>
+<inkml:ink xmlns:inkml="http://www.w3.org/2003/InkML">
+  <inkml:definitions>
+    <inkml:context xml:id="ctx0">
+      <inkml:inkSource xml:id="inkSrc0">
+        <inkml:traceFormat>
+          <inkml:channel name="X" type="integer" min="-2.14748E9" max="2.14748E9" units="cm"/>
+          <inkml:channel name="Y" type="integer" min="-2.14748E9" max="2.14748E9" units="cm"/>
+          <inkml:channel name="F" type="integer" max="32767" units="dev"/>
+        </inkml:traceFormat>
+        <inkml:channelProperties>
+          <inkml:channelProperty channel="X" name="resolution" value="1000" units="1/cm"/>
+          <inkml:channelProperty channel="Y" name="resolution" value="1000" units="1/cm"/>
+          <inkml:channelProperty channel="F" name="resolution" value="0" units="1/dev"/>
+        </inkml:channelProperties>
+      </inkml:inkSource>
+      <inkml:timestamp xml:id="ts0" timeString="2021-03-25T11:34:27.189"/>
+    </inkml:context>
+    <inkml:brush xml:id="br0">
+      <inkml:brushProperty name="width" value="0.05292" units="cm"/>
+      <inkml:brushProperty name="height" value="0.05292" units="cm"/>
+      <inkml:brushProperty name="color" value="#FF0000"/>
+    </inkml:brush>
+  </inkml:definitions>
+  <inkml:trace contextRef="#ctx0" brushRef="#br0">20376 7031 24575,'-1'23'0,"0"0"0,1 4 0,1 7 0,0-10 0,1 4 0,-1-15 0,1-1 0,-1-2 0,0-1 0,-1 7 0,1-5 0,-1 3 0,1-5 0,-1-1 0,2-2 0,-1-3 0,1 0 0,2-4 0,4 0 0,4-2 0,6 0 0,19-4 0,-5 0 0,14-3 0,-5-3 0,-15 5 0,-2-1 0,-19 7 0,-4 1 0</inkml:trace>
+  <inkml:trace contextRef="#ctx0" brushRef="#br0" timeOffset="1101">20452 7313 24575,'3'-8'0,"5"-11"0,0 3 0,11-29 0,-3 11 0,-5 9 0,1-2 0,3-3 0,1 1 0,-3 6 0,0 1 0,3-5 0,0 0 0,12-12 0,-5 4 0,5-3 0,-1 1 0,-3 7 0,-4 9 0,0 0 0,6-4 0,-7 8 0,0 1 0,4-2 0,-3 3 0,4-3 0,-11 9 0,0-1 0,-10 9 0,-3 0 0,0 1 0</inkml:trace>
+  <inkml:trace contextRef="#ctx0" brushRef="#br0" timeOffset="2669">21607 6951 24575,'-3'16'0,"-2"5"0,3-6 0,0 5 0,1-3 0,1 4 0,0 6 0,0-3 0,0 11 0,0-18 0,0 3 0,1-13 0,-1-3 0,0-1 0,1-3 0,13 0 0,0 0 0,13-1 0,1 1 0,2 0 0,0-1 0,1 0 0,3 1 0,-2 0 0,13-1 0,-32 0 0,-9 0 0,-4 1 0</inkml:trace>
+  <inkml:trace contextRef="#ctx0" brushRef="#br0" timeOffset="3701">21685 7222 24575,'12'-21'0,"9"-9"0,-2 1 0,0 2 0,1-1 0,6-9 0,-8 10 0,0-1 0,-3 7 0,2 0 0,13-16 0,2 1 0,-12 14 0,0 0 0,3-2 0,3-3 0,-4 4 0,7-4 0,3-3 0,-14 13 0,-6 5 0,-4 2 0,-3 5 0,-3 1 0,-2 4 0</inkml:trace>
+  <inkml:trace contextRef="#ctx0" brushRef="#br0" timeOffset="62485">17285 11723 24575,'26'-17'0,"0"1"0,12-5 0,3-3 0,2 1-629,-13 8 0,0 1 629,2 0 0,1-1 0,1 0 0,3 0 0,-2 0 0,6-3 0,1 0-492,-4 3 0,2-2 1,-2 2 491,4-3 0,-3 2 0,-4 1 0,1 1 0,-1-1 0,0 0 243,-7 4 1,0 0-244,1-1 0,0 0 0,-1 0 0,-1 1 0,3-2 146,-5 2 1,-22 10 0,-3 1 0</inkml:trace>
+  <inkml:trace contextRef="#ctx0" brushRef="#br0" timeOffset="63471">18150 11208 24575,'17'5'0,"7"0"0,10 4 0,15 0 0,-22-4 0,0 1 0,4 0 0,3 0 0,13 3 0,-1 2 0,-17-4 0,-2 0 0,6 0 0,-7 2 0,-17-1 0,-27 9 0,1-3 0,-16 12 0,12-6 0,2 3 0,2 1 0,-3 3 0,-4 10 0,19-27 0,7-10 0,1 0 0,-1 0 0,1 0 0</inkml:trace>
+</inkml:ink>
 </file>
 
 <file path=ppt/notesMasters/notesMaster1.xml><?xml version="1.0" encoding="utf-8"?>
@@ -392,7 +522,7 @@
           <a:p>
             <a:fld id="{BBB7B6E1-B344-C444-840E-5BCE257718B4}" type="datetimeFigureOut">
               <a:rPr lang="en-US" smtClean="0"/>
-              <a:t>3/10/21</a:t>
+              <a:t>3/25/21</a:t>
             </a:fld>
             <a:endParaRPr lang="en-US"/>
           </a:p>
@@ -6457,6 +6587,125 @@
     <p:extLst>
       <p:ext uri="{BB962C8B-B14F-4D97-AF65-F5344CB8AC3E}">
         <p14:creationId xmlns:p14="http://schemas.microsoft.com/office/powerpoint/2010/main" val="1595453939"/>
+      </p:ext>
+    </p:extLst>
+  </p:cSld>
+  <p:clrMapOvr>
+    <a:masterClrMapping/>
+  </p:clrMapOvr>
+</p:sld>
+</file>
+
+<file path=ppt/slides/slide17.xml><?xml version="1.0" encoding="utf-8"?>
+<p:sld xmlns:a="http://schemas.openxmlformats.org/drawingml/2006/main" xmlns:r="http://schemas.openxmlformats.org/officeDocument/2006/relationships" xmlns:p="http://schemas.openxmlformats.org/presentationml/2006/main">
+  <p:cSld>
+    <p:spTree>
+      <p:nvGrpSpPr>
+        <p:cNvPr id="1" name=""/>
+        <p:cNvGrpSpPr/>
+        <p:nvPr/>
+      </p:nvGrpSpPr>
+      <p:grpSpPr>
+        <a:xfrm>
+          <a:off x="0" y="0"/>
+          <a:ext cx="0" cy="0"/>
+          <a:chOff x="0" y="0"/>
+          <a:chExt cx="0" cy="0"/>
+        </a:xfrm>
+      </p:grpSpPr>
+      <p:sp>
+        <p:nvSpPr>
+          <p:cNvPr id="4" name="Slide Number Placeholder 3">
+            <a:extLst>
+              <a:ext uri="{FF2B5EF4-FFF2-40B4-BE49-F238E27FC236}">
+                <a16:creationId xmlns:a16="http://schemas.microsoft.com/office/drawing/2014/main" id="{BCD7FDEB-7C2A-BC4E-82EC-992CFF446C42}"/>
+              </a:ext>
+            </a:extLst>
+          </p:cNvPr>
+          <p:cNvSpPr>
+            <a:spLocks noGrp="1"/>
+          </p:cNvSpPr>
+          <p:nvPr>
+            <p:ph type="sldNum" sz="quarter" idx="12"/>
+          </p:nvPr>
+        </p:nvSpPr>
+        <p:spPr/>
+        <p:txBody>
+          <a:bodyPr/>
+          <a:lstStyle/>
+          <a:p>
+            <a:fld id="{85C893B6-8239-B544-860F-8E6624F3670C}" type="slidenum">
+              <a:rPr lang="en-US" smtClean="0"/>
+              <a:t>17</a:t>
+            </a:fld>
+            <a:endParaRPr lang="en-US"/>
+          </a:p>
+        </p:txBody>
+      </p:sp>
+      <p:pic>
+        <p:nvPicPr>
+          <p:cNvPr id="5" name="Picture 4">
+            <a:extLst>
+              <a:ext uri="{FF2B5EF4-FFF2-40B4-BE49-F238E27FC236}">
+                <a16:creationId xmlns:a16="http://schemas.microsoft.com/office/drawing/2014/main" id="{8FE96E31-D0FA-2346-8139-2A64E5D6226E}"/>
+              </a:ext>
+            </a:extLst>
+          </p:cNvPr>
+          <p:cNvPicPr>
+            <a:picLocks noChangeAspect="1"/>
+          </p:cNvPicPr>
+          <p:nvPr/>
+        </p:nvPicPr>
+        <p:blipFill>
+          <a:blip r:embed="rId2"/>
+          <a:stretch>
+            <a:fillRect/>
+          </a:stretch>
+        </p:blipFill>
+        <p:spPr>
+          <a:xfrm>
+            <a:off x="4449440" y="153392"/>
+            <a:ext cx="7284298" cy="5580144"/>
+          </a:xfrm>
+          <a:prstGeom prst="rect">
+            <a:avLst/>
+          </a:prstGeom>
+        </p:spPr>
+      </p:pic>
+      <p:pic>
+        <p:nvPicPr>
+          <p:cNvPr id="7" name="Picture 6" descr="Diagram&#10;&#10;Description automatically generated">
+            <a:extLst>
+              <a:ext uri="{FF2B5EF4-FFF2-40B4-BE49-F238E27FC236}">
+                <a16:creationId xmlns:a16="http://schemas.microsoft.com/office/drawing/2014/main" id="{88322DF1-E291-9C44-8D30-B24AC3C07380}"/>
+              </a:ext>
+            </a:extLst>
+          </p:cNvPr>
+          <p:cNvPicPr>
+            <a:picLocks noChangeAspect="1"/>
+          </p:cNvPicPr>
+          <p:nvPr/>
+        </p:nvPicPr>
+        <p:blipFill>
+          <a:blip r:embed="rId3"/>
+          <a:stretch>
+            <a:fillRect/>
+          </a:stretch>
+        </p:blipFill>
+        <p:spPr>
+          <a:xfrm>
+            <a:off x="106143" y="153391"/>
+            <a:ext cx="3806830" cy="2946954"/>
+          </a:xfrm>
+          <a:prstGeom prst="rect">
+            <a:avLst/>
+          </a:prstGeom>
+        </p:spPr>
+      </p:pic>
+    </p:spTree>
+    <p:extLst>
+      <p:ext uri="{BB962C8B-B14F-4D97-AF65-F5344CB8AC3E}">
+        <p14:creationId xmlns:p14="http://schemas.microsoft.com/office/powerpoint/2010/main" val="3519713986"/>
       </p:ext>
     </p:extLst>
   </p:cSld>
@@ -7713,6 +7962,57 @@
           </a:p>
         </p:txBody>
       </p:sp>
+      <mc:AlternateContent xmlns:mc="http://schemas.openxmlformats.org/markup-compatibility/2006">
+        <mc:Choice xmlns:p14="http://schemas.microsoft.com/office/powerpoint/2010/main" Requires="p14">
+          <p:contentPart p14:bwMode="auto" r:id="rId3">
+            <p14:nvContentPartPr>
+              <p14:cNvPr id="5" name="Ink 4">
+                <a:extLst>
+                  <a:ext uri="{FF2B5EF4-FFF2-40B4-BE49-F238E27FC236}">
+                    <a16:creationId xmlns:a16="http://schemas.microsoft.com/office/drawing/2014/main" id="{29256546-F03C-AB48-BAF0-EBC4270D7B38}"/>
+                  </a:ext>
+                </a:extLst>
+              </p14:cNvPr>
+              <p14:cNvContentPartPr/>
+              <p14:nvPr/>
+            </p14:nvContentPartPr>
+            <p14:xfrm>
+              <a:off x="8692920" y="1125360"/>
+              <a:ext cx="2165040" cy="2365560"/>
+            </p14:xfrm>
+          </p:contentPart>
+        </mc:Choice>
+        <mc:Fallback>
+          <p:pic>
+            <p:nvPicPr>
+              <p:cNvPr id="5" name="Ink 4">
+                <a:extLst>
+                  <a:ext uri="{FF2B5EF4-FFF2-40B4-BE49-F238E27FC236}">
+                    <a16:creationId xmlns:a16="http://schemas.microsoft.com/office/drawing/2014/main" id="{29256546-F03C-AB48-BAF0-EBC4270D7B38}"/>
+                  </a:ext>
+                </a:extLst>
+              </p:cNvPr>
+              <p:cNvPicPr/>
+              <p:nvPr/>
+            </p:nvPicPr>
+            <p:blipFill>
+              <a:blip r:embed="rId4"/>
+              <a:stretch>
+                <a:fillRect/>
+              </a:stretch>
+            </p:blipFill>
+            <p:spPr>
+              <a:xfrm>
+                <a:off x="8683560" y="1116000"/>
+                <a:ext cx="2183760" cy="2384280"/>
+              </a:xfrm>
+              <a:prstGeom prst="rect">
+                <a:avLst/>
+              </a:prstGeom>
+            </p:spPr>
+          </p:pic>
+        </mc:Fallback>
+      </mc:AlternateContent>
     </p:spTree>
     <p:extLst>
       <p:ext uri="{BB962C8B-B14F-4D97-AF65-F5344CB8AC3E}">
@@ -7933,6 +8233,57 @@
           </a:prstGeom>
         </p:spPr>
       </p:pic>
+      <mc:AlternateContent xmlns:mc="http://schemas.openxmlformats.org/markup-compatibility/2006">
+        <mc:Choice xmlns:p14="http://schemas.microsoft.com/office/powerpoint/2010/main" Requires="p14">
+          <p:contentPart p14:bwMode="auto" r:id="rId5">
+            <p14:nvContentPartPr>
+              <p14:cNvPr id="3" name="Ink 2">
+                <a:extLst>
+                  <a:ext uri="{FF2B5EF4-FFF2-40B4-BE49-F238E27FC236}">
+                    <a16:creationId xmlns:a16="http://schemas.microsoft.com/office/drawing/2014/main" id="{7380CF49-2B95-5F42-A647-E7F40310B2E6}"/>
+                  </a:ext>
+                </a:extLst>
+              </p14:cNvPr>
+              <p14:cNvContentPartPr/>
+              <p14:nvPr/>
+            </p14:nvContentPartPr>
+            <p14:xfrm>
+              <a:off x="3782880" y="2700360"/>
+              <a:ext cx="805320" cy="60120"/>
+            </p14:xfrm>
+          </p:contentPart>
+        </mc:Choice>
+        <mc:Fallback>
+          <p:pic>
+            <p:nvPicPr>
+              <p:cNvPr id="3" name="Ink 2">
+                <a:extLst>
+                  <a:ext uri="{FF2B5EF4-FFF2-40B4-BE49-F238E27FC236}">
+                    <a16:creationId xmlns:a16="http://schemas.microsoft.com/office/drawing/2014/main" id="{7380CF49-2B95-5F42-A647-E7F40310B2E6}"/>
+                  </a:ext>
+                </a:extLst>
+              </p:cNvPr>
+              <p:cNvPicPr/>
+              <p:nvPr/>
+            </p:nvPicPr>
+            <p:blipFill>
+              <a:blip r:embed="rId6"/>
+              <a:stretch>
+                <a:fillRect/>
+              </a:stretch>
+            </p:blipFill>
+            <p:spPr>
+              <a:xfrm>
+                <a:off x="3773520" y="2691000"/>
+                <a:ext cx="824040" cy="78840"/>
+              </a:xfrm>
+              <a:prstGeom prst="rect">
+                <a:avLst/>
+              </a:prstGeom>
+            </p:spPr>
+          </p:pic>
+        </mc:Fallback>
+      </mc:AlternateContent>
     </p:spTree>
     <p:extLst>
       <p:ext uri="{BB962C8B-B14F-4D97-AF65-F5344CB8AC3E}">
@@ -8294,6 +8645,57 @@
           </a:p>
         </p:txBody>
       </p:sp>
+      <mc:AlternateContent xmlns:mc="http://schemas.openxmlformats.org/markup-compatibility/2006">
+        <mc:Choice xmlns:p14="http://schemas.microsoft.com/office/powerpoint/2010/main" Requires="p14">
+          <p:contentPart p14:bwMode="auto" r:id="rId4">
+            <p14:nvContentPartPr>
+              <p14:cNvPr id="3" name="Ink 2">
+                <a:extLst>
+                  <a:ext uri="{FF2B5EF4-FFF2-40B4-BE49-F238E27FC236}">
+                    <a16:creationId xmlns:a16="http://schemas.microsoft.com/office/drawing/2014/main" id="{0E5DF1B0-3C91-0241-AEF3-2376872F2CA5}"/>
+                  </a:ext>
+                </a:extLst>
+              </p14:cNvPr>
+              <p14:cNvContentPartPr/>
+              <p14:nvPr/>
+            </p14:nvContentPartPr>
+            <p14:xfrm>
+              <a:off x="3341520" y="2607840"/>
+              <a:ext cx="453960" cy="33480"/>
+            </p14:xfrm>
+          </p:contentPart>
+        </mc:Choice>
+        <mc:Fallback>
+          <p:pic>
+            <p:nvPicPr>
+              <p:cNvPr id="3" name="Ink 2">
+                <a:extLst>
+                  <a:ext uri="{FF2B5EF4-FFF2-40B4-BE49-F238E27FC236}">
+                    <a16:creationId xmlns:a16="http://schemas.microsoft.com/office/drawing/2014/main" id="{0E5DF1B0-3C91-0241-AEF3-2376872F2CA5}"/>
+                  </a:ext>
+                </a:extLst>
+              </p:cNvPr>
+              <p:cNvPicPr/>
+              <p:nvPr/>
+            </p:nvPicPr>
+            <p:blipFill>
+              <a:blip r:embed="rId5"/>
+              <a:stretch>
+                <a:fillRect/>
+              </a:stretch>
+            </p:blipFill>
+            <p:spPr>
+              <a:xfrm>
+                <a:off x="3332160" y="2598480"/>
+                <a:ext cx="472680" cy="52200"/>
+              </a:xfrm>
+              <a:prstGeom prst="rect">
+                <a:avLst/>
+              </a:prstGeom>
+            </p:spPr>
+          </p:pic>
+        </mc:Fallback>
+      </mc:AlternateContent>
     </p:spTree>
     <p:extLst>
       <p:ext uri="{BB962C8B-B14F-4D97-AF65-F5344CB8AC3E}">
@@ -8726,6 +9128,57 @@
           </a:prstGeom>
         </p:spPr>
       </p:pic>
+      <mc:AlternateContent xmlns:mc="http://schemas.openxmlformats.org/markup-compatibility/2006">
+        <mc:Choice xmlns:p14="http://schemas.microsoft.com/office/powerpoint/2010/main" Requires="p14">
+          <p:contentPart p14:bwMode="auto" r:id="rId4">
+            <p14:nvContentPartPr>
+              <p14:cNvPr id="4" name="Ink 3">
+                <a:extLst>
+                  <a:ext uri="{FF2B5EF4-FFF2-40B4-BE49-F238E27FC236}">
+                    <a16:creationId xmlns:a16="http://schemas.microsoft.com/office/drawing/2014/main" id="{DB490A57-6048-7C48-B432-E3728162B35F}"/>
+                  </a:ext>
+                </a:extLst>
+              </p14:cNvPr>
+              <p14:cNvContentPartPr/>
+              <p14:nvPr/>
+            </p14:nvContentPartPr>
+            <p14:xfrm>
+              <a:off x="6222600" y="2386800"/>
+              <a:ext cx="1751400" cy="1833840"/>
+            </p14:xfrm>
+          </p:contentPart>
+        </mc:Choice>
+        <mc:Fallback>
+          <p:pic>
+            <p:nvPicPr>
+              <p:cNvPr id="4" name="Ink 3">
+                <a:extLst>
+                  <a:ext uri="{FF2B5EF4-FFF2-40B4-BE49-F238E27FC236}">
+                    <a16:creationId xmlns:a16="http://schemas.microsoft.com/office/drawing/2014/main" id="{DB490A57-6048-7C48-B432-E3728162B35F}"/>
+                  </a:ext>
+                </a:extLst>
+              </p:cNvPr>
+              <p:cNvPicPr/>
+              <p:nvPr/>
+            </p:nvPicPr>
+            <p:blipFill>
+              <a:blip r:embed="rId5"/>
+              <a:stretch>
+                <a:fillRect/>
+              </a:stretch>
+            </p:blipFill>
+            <p:spPr>
+              <a:xfrm>
+                <a:off x="6213240" y="2377440"/>
+                <a:ext cx="1770120" cy="1852560"/>
+              </a:xfrm>
+              <a:prstGeom prst="rect">
+                <a:avLst/>
+              </a:prstGeom>
+            </p:spPr>
+          </p:pic>
+        </mc:Fallback>
+      </mc:AlternateContent>
     </p:spTree>
     <p:extLst>
       <p:ext uri="{BB962C8B-B14F-4D97-AF65-F5344CB8AC3E}">
